--- a/PCBA allocation procedure and logic - Oct 23.pptx
+++ b/PCBA allocation procedure and logic - Oct 23.pptx
@@ -232,7 +232,7 @@
           <a:p>
             <a:fld id="{055D18FD-D4CC-4163-B221-261AEA246121}" type="datetimeFigureOut">
               <a:rPr lang="en-US" smtClean="0"/>
-              <a:t>10/23/20</a:t>
+              <a:t>10/29/20</a:t>
             </a:fld>
             <a:endParaRPr lang="en-US"/>
           </a:p>
@@ -567,14 +567,14 @@
           </a:ln>
           <a:extLst>
             <a:ext uri="{909E8E84-426E-40dd-AFC4-6F175D3DCCD1}">
-              <a14:hiddenFill xmlns:a14="http://schemas.microsoft.com/office/drawing/2010/main" xmlns="">
+              <a14:hiddenFill xmlns="" xmlns:a14="http://schemas.microsoft.com/office/drawing/2010/main">
                 <a:solidFill>
                   <a:srgbClr val="FFFFFF"/>
                 </a:solidFill>
               </a14:hiddenFill>
             </a:ext>
             <a:ext uri="{91240B29-F687-4f45-9708-019B960494DF}">
-              <a14:hiddenLine xmlns:a14="http://schemas.microsoft.com/office/drawing/2010/main" xmlns="" w="9525">
+              <a14:hiddenLine xmlns="" xmlns:a14="http://schemas.microsoft.com/office/drawing/2010/main" w="9525">
                 <a:solidFill>
                   <a:srgbClr val="000000"/>
                 </a:solidFill>
@@ -1359,14 +1359,14 @@
           </a:ln>
           <a:extLst>
             <a:ext uri="{909E8E84-426E-40dd-AFC4-6F175D3DCCD1}">
-              <a14:hiddenFill xmlns:a14="http://schemas.microsoft.com/office/drawing/2010/main" xmlns="">
+              <a14:hiddenFill xmlns="" xmlns:a14="http://schemas.microsoft.com/office/drawing/2010/main">
                 <a:solidFill>
                   <a:srgbClr val="FFFFFF"/>
                 </a:solidFill>
               </a14:hiddenFill>
             </a:ext>
             <a:ext uri="{91240B29-F687-4f45-9708-019B960494DF}">
-              <a14:hiddenLine xmlns:a14="http://schemas.microsoft.com/office/drawing/2010/main" xmlns="" w="9525">
+              <a14:hiddenLine xmlns="" xmlns:a14="http://schemas.microsoft.com/office/drawing/2010/main" w="9525">
                 <a:solidFill>
                   <a:srgbClr val="000000"/>
                 </a:solidFill>
@@ -1755,14 +1755,14 @@
           </a:ln>
           <a:extLst>
             <a:ext uri="{909E8E84-426E-40dd-AFC4-6F175D3DCCD1}">
-              <a14:hiddenFill xmlns:a14="http://schemas.microsoft.com/office/drawing/2010/main" xmlns="">
+              <a14:hiddenFill xmlns="" xmlns:a14="http://schemas.microsoft.com/office/drawing/2010/main">
                 <a:solidFill>
                   <a:srgbClr val="FFFFFF"/>
                 </a:solidFill>
               </a14:hiddenFill>
             </a:ext>
             <a:ext uri="{91240B29-F687-4f45-9708-019B960494DF}">
-              <a14:hiddenLine xmlns:a14="http://schemas.microsoft.com/office/drawing/2010/main" xmlns="" w="9525">
+              <a14:hiddenLine xmlns="" xmlns:a14="http://schemas.microsoft.com/office/drawing/2010/main" w="9525">
                 <a:solidFill>
                   <a:srgbClr val="000000"/>
                 </a:solidFill>
@@ -3404,14 +3404,14 @@
           </a:ln>
           <a:extLst>
             <a:ext uri="{909E8E84-426E-40dd-AFC4-6F175D3DCCD1}">
-              <a14:hiddenFill xmlns:a14="http://schemas.microsoft.com/office/drawing/2010/main" xmlns="">
+              <a14:hiddenFill xmlns="" xmlns:a14="http://schemas.microsoft.com/office/drawing/2010/main">
                 <a:solidFill>
                   <a:srgbClr val="FFFFFF"/>
                 </a:solidFill>
               </a14:hiddenFill>
             </a:ext>
             <a:ext uri="{91240B29-F687-4f45-9708-019B960494DF}">
-              <a14:hiddenLine xmlns:a14="http://schemas.microsoft.com/office/drawing/2010/main" xmlns="" w="9525">
+              <a14:hiddenLine xmlns="" xmlns:a14="http://schemas.microsoft.com/office/drawing/2010/main" w="9525">
                 <a:solidFill>
                   <a:srgbClr val="000000"/>
                 </a:solidFill>
@@ -3500,14 +3500,14 @@
           </a:ln>
           <a:extLst>
             <a:ext uri="{909E8E84-426E-40dd-AFC4-6F175D3DCCD1}">
-              <a14:hiddenFill xmlns:a14="http://schemas.microsoft.com/office/drawing/2010/main" xmlns="">
+              <a14:hiddenFill xmlns="" xmlns:a14="http://schemas.microsoft.com/office/drawing/2010/main">
                 <a:solidFill>
                   <a:srgbClr val="FFFFFF"/>
                 </a:solidFill>
               </a14:hiddenFill>
             </a:ext>
             <a:ext uri="{91240B29-F687-4f45-9708-019B960494DF}">
-              <a14:hiddenLine xmlns:a14="http://schemas.microsoft.com/office/drawing/2010/main" xmlns="" w="9525">
+              <a14:hiddenLine xmlns="" xmlns:a14="http://schemas.microsoft.com/office/drawing/2010/main" w="9525">
                 <a:solidFill>
                   <a:srgbClr val="000000"/>
                 </a:solidFill>
@@ -4035,14 +4035,14 @@
           </a:ln>
           <a:extLst>
             <a:ext uri="{909E8E84-426E-40dd-AFC4-6F175D3DCCD1}">
-              <a14:hiddenFill xmlns:a14="http://schemas.microsoft.com/office/drawing/2010/main" xmlns="">
+              <a14:hiddenFill xmlns="" xmlns:a14="http://schemas.microsoft.com/office/drawing/2010/main">
                 <a:solidFill>
                   <a:srgbClr val="FFFFFF"/>
                 </a:solidFill>
               </a14:hiddenFill>
             </a:ext>
             <a:ext uri="{91240B29-F687-4f45-9708-019B960494DF}">
-              <a14:hiddenLine xmlns:a14="http://schemas.microsoft.com/office/drawing/2010/main" xmlns="" w="9525">
+              <a14:hiddenLine xmlns="" xmlns:a14="http://schemas.microsoft.com/office/drawing/2010/main" w="9525">
                 <a:solidFill>
                   <a:srgbClr val="000000"/>
                 </a:solidFill>
@@ -4511,14 +4511,14 @@
           </a:ln>
           <a:extLst>
             <a:ext uri="{909E8E84-426E-40dd-AFC4-6F175D3DCCD1}">
-              <a14:hiddenFill xmlns:a14="http://schemas.microsoft.com/office/drawing/2010/main" xmlns="">
+              <a14:hiddenFill xmlns="" xmlns:a14="http://schemas.microsoft.com/office/drawing/2010/main">
                 <a:solidFill>
                   <a:srgbClr val="FFFFFF"/>
                 </a:solidFill>
               </a14:hiddenFill>
             </a:ext>
             <a:ext uri="{91240B29-F687-4f45-9708-019B960494DF}">
-              <a14:hiddenLine xmlns:a14="http://schemas.microsoft.com/office/drawing/2010/main" xmlns="" w="9525">
+              <a14:hiddenLine xmlns="" xmlns:a14="http://schemas.microsoft.com/office/drawing/2010/main" w="9525">
                 <a:solidFill>
                   <a:srgbClr val="000000"/>
                 </a:solidFill>
@@ -4732,14 +4732,14 @@
           </a:ln>
           <a:extLst>
             <a:ext uri="{909E8E84-426E-40dd-AFC4-6F175D3DCCD1}">
-              <a14:hiddenFill xmlns:a14="http://schemas.microsoft.com/office/drawing/2010/main" xmlns="">
+              <a14:hiddenFill xmlns="" xmlns:a14="http://schemas.microsoft.com/office/drawing/2010/main">
                 <a:solidFill>
                   <a:srgbClr val="FFFFFF"/>
                 </a:solidFill>
               </a14:hiddenFill>
             </a:ext>
             <a:ext uri="{91240B29-F687-4f45-9708-019B960494DF}">
-              <a14:hiddenLine xmlns:a14="http://schemas.microsoft.com/office/drawing/2010/main" xmlns="" w="9525">
+              <a14:hiddenLine xmlns="" xmlns:a14="http://schemas.microsoft.com/office/drawing/2010/main" w="9525">
                 <a:solidFill>
                   <a:srgbClr val="000000"/>
                 </a:solidFill>
@@ -4953,14 +4953,14 @@
           </a:ln>
           <a:extLst>
             <a:ext uri="{909E8E84-426E-40dd-AFC4-6F175D3DCCD1}">
-              <a14:hiddenFill xmlns:a14="http://schemas.microsoft.com/office/drawing/2010/main" xmlns="">
+              <a14:hiddenFill xmlns="" xmlns:a14="http://schemas.microsoft.com/office/drawing/2010/main">
                 <a:solidFill>
                   <a:srgbClr val="FFFFFF"/>
                 </a:solidFill>
               </a14:hiddenFill>
             </a:ext>
             <a:ext uri="{91240B29-F687-4f45-9708-019B960494DF}">
-              <a14:hiddenLine xmlns:a14="http://schemas.microsoft.com/office/drawing/2010/main" xmlns="" w="9525">
+              <a14:hiddenLine xmlns="" xmlns:a14="http://schemas.microsoft.com/office/drawing/2010/main" w="9525">
                 <a:solidFill>
                   <a:srgbClr val="000000"/>
                 </a:solidFill>
@@ -5622,7 +5622,7 @@
           </a:ln>
           <a:extLst>
             <a:ext uri="{91240B29-F687-4f45-9708-019B960494DF}">
-              <a14:hiddenLine xmlns:a14="http://schemas.microsoft.com/office/drawing/2010/main" xmlns="" w="25400" algn="ctr">
+              <a14:hiddenLine xmlns="" xmlns:a14="http://schemas.microsoft.com/office/drawing/2010/main" w="25400" algn="ctr">
                 <a:solidFill>
                   <a:srgbClr val="000000"/>
                 </a:solidFill>
@@ -5778,7 +5778,7 @@
           </a:ln>
           <a:extLst>
             <a:ext uri="{91240B29-F687-4f45-9708-019B960494DF}">
-              <a14:hiddenLine xmlns:a14="http://schemas.microsoft.com/office/drawing/2010/main" xmlns="" w="25400" algn="ctr">
+              <a14:hiddenLine xmlns="" xmlns:a14="http://schemas.microsoft.com/office/drawing/2010/main" w="25400" algn="ctr">
                 <a:solidFill>
                   <a:srgbClr val="000000"/>
                 </a:solidFill>
@@ -5934,7 +5934,7 @@
           </a:ln>
           <a:extLst>
             <a:ext uri="{91240B29-F687-4f45-9708-019B960494DF}">
-              <a14:hiddenLine xmlns:a14="http://schemas.microsoft.com/office/drawing/2010/main" xmlns="" w="25400" algn="ctr">
+              <a14:hiddenLine xmlns="" xmlns:a14="http://schemas.microsoft.com/office/drawing/2010/main" w="25400" algn="ctr">
                 <a:solidFill>
                   <a:srgbClr val="000000"/>
                 </a:solidFill>
@@ -6088,14 +6088,14 @@
           </a:ln>
           <a:extLst>
             <a:ext uri="{909E8E84-426E-40dd-AFC4-6F175D3DCCD1}">
-              <a14:hiddenFill xmlns:a14="http://schemas.microsoft.com/office/drawing/2010/main" xmlns="">
+              <a14:hiddenFill xmlns="" xmlns:a14="http://schemas.microsoft.com/office/drawing/2010/main">
                 <a:solidFill>
                   <a:srgbClr val="FFFFFF"/>
                 </a:solidFill>
               </a14:hiddenFill>
             </a:ext>
             <a:ext uri="{91240B29-F687-4f45-9708-019B960494DF}">
-              <a14:hiddenLine xmlns:a14="http://schemas.microsoft.com/office/drawing/2010/main" xmlns="" w="9525">
+              <a14:hiddenLine xmlns="" xmlns:a14="http://schemas.microsoft.com/office/drawing/2010/main" w="9525">
                 <a:solidFill>
                   <a:srgbClr val="000000"/>
                 </a:solidFill>
@@ -12960,14 +12960,14 @@
           <a:noFill/>
           <a:extLst>
             <a:ext uri="{909E8E84-426E-40dd-AFC4-6F175D3DCCD1}">
-              <a14:hiddenFill xmlns:a14="http://schemas.microsoft.com/office/drawing/2010/main" xmlns="">
+              <a14:hiddenFill xmlns="" xmlns:a14="http://schemas.microsoft.com/office/drawing/2010/main">
                 <a:solidFill>
                   <a:srgbClr val="FFFFFF"/>
                 </a:solidFill>
               </a14:hiddenFill>
             </a:ext>
             <a:ext uri="{91240B29-F687-4f45-9708-019B960494DF}">
-              <a14:hiddenLine xmlns:a14="http://schemas.microsoft.com/office/drawing/2010/main" xmlns="" w="9525">
+              <a14:hiddenLine xmlns="" xmlns:a14="http://schemas.microsoft.com/office/drawing/2010/main" w="9525">
                 <a:solidFill>
                   <a:srgbClr val="000000"/>
                 </a:solidFill>
@@ -15390,14 +15390,14 @@
           </a:ln>
           <a:extLst>
             <a:ext uri="{909E8E84-426E-40dd-AFC4-6F175D3DCCD1}">
-              <a14:hiddenFill xmlns:a14="http://schemas.microsoft.com/office/drawing/2010/main" xmlns="">
+              <a14:hiddenFill xmlns="" xmlns:a14="http://schemas.microsoft.com/office/drawing/2010/main">
                 <a:solidFill>
                   <a:srgbClr val="FFFFFF"/>
                 </a:solidFill>
               </a14:hiddenFill>
             </a:ext>
             <a:ext uri="{91240B29-F687-4f45-9708-019B960494DF}">
-              <a14:hiddenLine xmlns:a14="http://schemas.microsoft.com/office/drawing/2010/main" xmlns="" w="9525">
+              <a14:hiddenLine xmlns="" xmlns:a14="http://schemas.microsoft.com/office/drawing/2010/main" w="9525">
                 <a:solidFill>
                   <a:srgbClr val="000000"/>
                 </a:solidFill>
@@ -15694,14 +15694,14 @@
           </a:ln>
           <a:extLst>
             <a:ext uri="{909E8E84-426E-40dd-AFC4-6F175D3DCCD1}">
-              <a14:hiddenFill xmlns:a14="http://schemas.microsoft.com/office/drawing/2010/main" xmlns="">
+              <a14:hiddenFill xmlns="" xmlns:a14="http://schemas.microsoft.com/office/drawing/2010/main">
                 <a:solidFill>
                   <a:srgbClr val="FFFFFF"/>
                 </a:solidFill>
               </a14:hiddenFill>
             </a:ext>
             <a:ext uri="{91240B29-F687-4f45-9708-019B960494DF}">
-              <a14:hiddenLine xmlns:a14="http://schemas.microsoft.com/office/drawing/2010/main" xmlns="" w="9525">
+              <a14:hiddenLine xmlns="" xmlns:a14="http://schemas.microsoft.com/office/drawing/2010/main" w="9525">
                 <a:solidFill>
                   <a:srgbClr val="000000"/>
                 </a:solidFill>
@@ -15824,14 +15824,14 @@
           </a:ln>
           <a:extLst>
             <a:ext uri="{909E8E84-426E-40dd-AFC4-6F175D3DCCD1}">
-              <a14:hiddenFill xmlns:a14="http://schemas.microsoft.com/office/drawing/2010/main" xmlns="">
+              <a14:hiddenFill xmlns="" xmlns:a14="http://schemas.microsoft.com/office/drawing/2010/main">
                 <a:solidFill>
                   <a:srgbClr val="FFFFFF"/>
                 </a:solidFill>
               </a14:hiddenFill>
             </a:ext>
             <a:ext uri="{91240B29-F687-4f45-9708-019B960494DF}">
-              <a14:hiddenLine xmlns:a14="http://schemas.microsoft.com/office/drawing/2010/main" xmlns="" w="9525">
+              <a14:hiddenLine xmlns="" xmlns:a14="http://schemas.microsoft.com/office/drawing/2010/main" w="9525">
                 <a:solidFill>
                   <a:srgbClr val="000000"/>
                 </a:solidFill>
@@ -16062,14 +16062,14 @@
           <a:noFill/>
           <a:extLst>
             <a:ext uri="{909E8E84-426E-40dd-AFC4-6F175D3DCCD1}">
-              <a14:hiddenFill xmlns:a14="http://schemas.microsoft.com/office/drawing/2010/main" xmlns="">
+              <a14:hiddenFill xmlns="" xmlns:a14="http://schemas.microsoft.com/office/drawing/2010/main">
                 <a:solidFill>
                   <a:srgbClr val="FFFFFF"/>
                 </a:solidFill>
               </a14:hiddenFill>
             </a:ext>
             <a:ext uri="{91240B29-F687-4f45-9708-019B960494DF}">
-              <a14:hiddenLine xmlns:a14="http://schemas.microsoft.com/office/drawing/2010/main" xmlns="" w="9525">
+              <a14:hiddenLine xmlns="" xmlns:a14="http://schemas.microsoft.com/office/drawing/2010/main" w="9525">
                 <a:solidFill>
                   <a:srgbClr val="000000"/>
                 </a:solidFill>
@@ -18035,14 +18035,14 @@
           <a:noFill/>
           <a:extLst>
             <a:ext uri="{909E8E84-426E-40dd-AFC4-6F175D3DCCD1}">
-              <a14:hiddenFill xmlns:a14="http://schemas.microsoft.com/office/drawing/2010/main" xmlns="">
+              <a14:hiddenFill xmlns="" xmlns:a14="http://schemas.microsoft.com/office/drawing/2010/main">
                 <a:solidFill>
                   <a:srgbClr val="FFFFFF"/>
                 </a:solidFill>
               </a14:hiddenFill>
             </a:ext>
             <a:ext uri="{91240B29-F687-4f45-9708-019B960494DF}">
-              <a14:hiddenLine xmlns:a14="http://schemas.microsoft.com/office/drawing/2010/main" xmlns="" w="9525">
+              <a14:hiddenLine xmlns="" xmlns:a14="http://schemas.microsoft.com/office/drawing/2010/main" w="9525">
                 <a:solidFill>
                   <a:srgbClr val="000000"/>
                 </a:solidFill>
@@ -18423,14 +18423,14 @@
           </a:ln>
           <a:extLst>
             <a:ext uri="{909E8E84-426E-40dd-AFC4-6F175D3DCCD1}">
-              <a14:hiddenFill xmlns:a14="http://schemas.microsoft.com/office/drawing/2010/main" xmlns="">
+              <a14:hiddenFill xmlns="" xmlns:a14="http://schemas.microsoft.com/office/drawing/2010/main">
                 <a:solidFill>
                   <a:srgbClr val="FFFFFF"/>
                 </a:solidFill>
               </a14:hiddenFill>
             </a:ext>
             <a:ext uri="{91240B29-F687-4f45-9708-019B960494DF}">
-              <a14:hiddenLine xmlns:a14="http://schemas.microsoft.com/office/drawing/2010/main" xmlns="" w="9525">
+              <a14:hiddenLine xmlns="" xmlns:a14="http://schemas.microsoft.com/office/drawing/2010/main" w="9525">
                 <a:solidFill>
                   <a:srgbClr val="000000"/>
                 </a:solidFill>
@@ -18637,14 +18637,14 @@
           </a:ln>
           <a:extLst>
             <a:ext uri="{909E8E84-426E-40dd-AFC4-6F175D3DCCD1}">
-              <a14:hiddenFill xmlns:a14="http://schemas.microsoft.com/office/drawing/2010/main" xmlns="">
+              <a14:hiddenFill xmlns="" xmlns:a14="http://schemas.microsoft.com/office/drawing/2010/main">
                 <a:solidFill>
                   <a:srgbClr val="FFFFFF"/>
                 </a:solidFill>
               </a14:hiddenFill>
             </a:ext>
             <a:ext uri="{91240B29-F687-4f45-9708-019B960494DF}">
-              <a14:hiddenLine xmlns:a14="http://schemas.microsoft.com/office/drawing/2010/main" xmlns="" w="9525">
+              <a14:hiddenLine xmlns="" xmlns:a14="http://schemas.microsoft.com/office/drawing/2010/main" w="9525">
                 <a:solidFill>
                   <a:srgbClr val="000000"/>
                 </a:solidFill>
@@ -18863,14 +18863,14 @@
           </a:ln>
           <a:extLst>
             <a:ext uri="{909E8E84-426E-40dd-AFC4-6F175D3DCCD1}">
-              <a14:hiddenFill xmlns:a14="http://schemas.microsoft.com/office/drawing/2010/main" xmlns="">
+              <a14:hiddenFill xmlns="" xmlns:a14="http://schemas.microsoft.com/office/drawing/2010/main">
                 <a:solidFill>
                   <a:srgbClr val="FFFFFF"/>
                 </a:solidFill>
               </a14:hiddenFill>
             </a:ext>
             <a:ext uri="{91240B29-F687-4f45-9708-019B960494DF}">
-              <a14:hiddenLine xmlns:a14="http://schemas.microsoft.com/office/drawing/2010/main" xmlns="" w="9525">
+              <a14:hiddenLine xmlns="" xmlns:a14="http://schemas.microsoft.com/office/drawing/2010/main" w="9525">
                 <a:solidFill>
                   <a:srgbClr val="000000"/>
                 </a:solidFill>
@@ -19080,14 +19080,14 @@
           </a:ln>
           <a:extLst>
             <a:ext uri="{909E8E84-426E-40dd-AFC4-6F175D3DCCD1}">
-              <a14:hiddenFill xmlns:a14="http://schemas.microsoft.com/office/drawing/2010/main" xmlns="">
+              <a14:hiddenFill xmlns="" xmlns:a14="http://schemas.microsoft.com/office/drawing/2010/main">
                 <a:solidFill>
                   <a:srgbClr val="FFFFFF"/>
                 </a:solidFill>
               </a14:hiddenFill>
             </a:ext>
             <a:ext uri="{91240B29-F687-4f45-9708-019B960494DF}">
-              <a14:hiddenLine xmlns:a14="http://schemas.microsoft.com/office/drawing/2010/main" xmlns="" w="9525">
+              <a14:hiddenLine xmlns="" xmlns:a14="http://schemas.microsoft.com/office/drawing/2010/main" w="9525">
                 <a:solidFill>
                   <a:srgbClr val="000000"/>
                 </a:solidFill>
@@ -19338,14 +19338,14 @@
           </a:ln>
           <a:extLst>
             <a:ext uri="{909E8E84-426E-40dd-AFC4-6F175D3DCCD1}">
-              <a14:hiddenFill xmlns:a14="http://schemas.microsoft.com/office/drawing/2010/main" xmlns="">
+              <a14:hiddenFill xmlns="" xmlns:a14="http://schemas.microsoft.com/office/drawing/2010/main">
                 <a:solidFill>
                   <a:srgbClr val="FFFFFF"/>
                 </a:solidFill>
               </a14:hiddenFill>
             </a:ext>
             <a:ext uri="{91240B29-F687-4f45-9708-019B960494DF}">
-              <a14:hiddenLine xmlns:a14="http://schemas.microsoft.com/office/drawing/2010/main" xmlns="" w="9525">
+              <a14:hiddenLine xmlns="" xmlns:a14="http://schemas.microsoft.com/office/drawing/2010/main" w="9525">
                 <a:solidFill>
                   <a:srgbClr val="000000"/>
                 </a:solidFill>
@@ -19537,14 +19537,14 @@
           </a:ln>
           <a:extLst>
             <a:ext uri="{909E8E84-426E-40dd-AFC4-6F175D3DCCD1}">
-              <a14:hiddenFill xmlns:a14="http://schemas.microsoft.com/office/drawing/2010/main" xmlns="">
+              <a14:hiddenFill xmlns="" xmlns:a14="http://schemas.microsoft.com/office/drawing/2010/main">
                 <a:solidFill>
                   <a:srgbClr val="FFFFFF"/>
                 </a:solidFill>
               </a14:hiddenFill>
             </a:ext>
             <a:ext uri="{91240B29-F687-4f45-9708-019B960494DF}">
-              <a14:hiddenLine xmlns:a14="http://schemas.microsoft.com/office/drawing/2010/main" xmlns="" w="9525">
+              <a14:hiddenLine xmlns="" xmlns:a14="http://schemas.microsoft.com/office/drawing/2010/main" w="9525">
                 <a:solidFill>
                   <a:srgbClr val="000000"/>
                 </a:solidFill>
@@ -21717,6 +21717,45 @@
           </a:fontRef>
         </p:style>
       </p:cxnSp>
+      <p:sp>
+        <p:nvSpPr>
+          <p:cNvPr id="3" name="TextBox 2">
+            <a:extLst>
+              <a:ext uri="{FF2B5EF4-FFF2-40B4-BE49-F238E27FC236}">
+                <a16:creationId xmlns:a16="http://schemas.microsoft.com/office/drawing/2014/main" id="{A596070C-1FDF-B947-927F-8114FDC309C8}"/>
+              </a:ext>
+            </a:extLst>
+          </p:cNvPr>
+          <p:cNvSpPr txBox="1"/>
+          <p:nvPr/>
+        </p:nvSpPr>
+        <p:spPr>
+          <a:xfrm>
+            <a:off x="2389760" y="3121223"/>
+            <a:ext cx="2343911" cy="307777"/>
+          </a:xfrm>
+          <a:prstGeom prst="rect">
+            <a:avLst/>
+          </a:prstGeom>
+          <a:noFill/>
+        </p:spPr>
+        <p:txBody>
+          <a:bodyPr wrap="none" rtlCol="0">
+            <a:spAutoFit/>
+          </a:bodyPr>
+          <a:lstStyle/>
+          <a:p>
+            <a:r>
+              <a:rPr lang="en-CN" sz="1400" dirty="0">
+                <a:solidFill>
+                  <a:srgbClr val="FF0000"/>
+                </a:solidFill>
+              </a:rPr>
+              <a:t>(TBD if this should be kept)</a:t>
+            </a:r>
+          </a:p>
+        </p:txBody>
+      </p:sp>
     </p:spTree>
     <p:extLst>
       <p:ext uri="{BB962C8B-B14F-4D97-AF65-F5344CB8AC3E}">
@@ -22639,112 +22678,6 @@
           </a:p>
         </p:txBody>
       </p:sp>
-      <p:sp>
-        <p:nvSpPr>
-          <p:cNvPr id="21" name="Process 20">
-            <a:extLst>
-              <a:ext uri="{FF2B5EF4-FFF2-40B4-BE49-F238E27FC236}">
-                <a16:creationId xmlns:a16="http://schemas.microsoft.com/office/drawing/2014/main" id="{64C36445-2FBB-1841-A5AC-74A47F9C4300}"/>
-              </a:ext>
-            </a:extLst>
-          </p:cNvPr>
-          <p:cNvSpPr/>
-          <p:nvPr/>
-        </p:nvSpPr>
-        <p:spPr>
-          <a:xfrm>
-            <a:off x="3092707" y="2988390"/>
-            <a:ext cx="1554923" cy="614849"/>
-          </a:xfrm>
-          <a:prstGeom prst="flowChartProcess">
-            <a:avLst/>
-          </a:prstGeom>
-          <a:noFill/>
-          <a:ln>
-            <a:solidFill>
-              <a:srgbClr val="FFC000"/>
-            </a:solidFill>
-          </a:ln>
-          <a:effectLst/>
-        </p:spPr>
-        <p:style>
-          <a:lnRef idx="2">
-            <a:schemeClr val="accent1">
-              <a:shade val="50000"/>
-            </a:schemeClr>
-          </a:lnRef>
-          <a:fillRef idx="1">
-            <a:schemeClr val="accent1"/>
-          </a:fillRef>
-          <a:effectRef idx="0">
-            <a:schemeClr val="accent1"/>
-          </a:effectRef>
-          <a:fontRef idx="minor">
-            <a:schemeClr val="lt1"/>
-          </a:fontRef>
-        </p:style>
-        <p:txBody>
-          <a:bodyPr rtlCol="0" anchor="ctr"/>
-          <a:lstStyle/>
-          <a:p>
-            <a:pPr algn="ctr"/>
-            <a:r>
-              <a:rPr lang="en-CN" sz="1050" dirty="0">
-                <a:solidFill>
-                  <a:schemeClr val="tx1"/>
-                </a:solidFill>
-              </a:rPr>
-              <a:t>Manual priority injection by PPF via smartsheet portal</a:t>
-            </a:r>
-          </a:p>
-        </p:txBody>
-      </p:sp>
-      <p:cxnSp>
-        <p:nvCxnSpPr>
-          <p:cNvPr id="22" name="Elbow Connector 21">
-            <a:extLst>
-              <a:ext uri="{FF2B5EF4-FFF2-40B4-BE49-F238E27FC236}">
-                <a16:creationId xmlns:a16="http://schemas.microsoft.com/office/drawing/2014/main" id="{CEE62B35-6228-7743-AFAB-D84FF5CAC211}"/>
-              </a:ext>
-            </a:extLst>
-          </p:cNvPr>
-          <p:cNvCxnSpPr>
-            <a:cxnSpLocks/>
-            <a:stCxn id="21" idx="1"/>
-          </p:cNvCxnSpPr>
-          <p:nvPr/>
-        </p:nvCxnSpPr>
-        <p:spPr>
-          <a:xfrm rot="10800000">
-            <a:off x="2774123" y="2307175"/>
-            <a:ext cx="318585" cy="988641"/>
-          </a:xfrm>
-          <a:prstGeom prst="bentConnector2">
-            <a:avLst/>
-          </a:prstGeom>
-          <a:ln w="19050">
-            <a:solidFill>
-              <a:srgbClr val="FFC000"/>
-            </a:solidFill>
-            <a:prstDash val="dashDot"/>
-            <a:tailEnd type="triangle"/>
-          </a:ln>
-        </p:spPr>
-        <p:style>
-          <a:lnRef idx="1">
-            <a:schemeClr val="accent1"/>
-          </a:lnRef>
-          <a:fillRef idx="0">
-            <a:schemeClr val="accent1"/>
-          </a:fillRef>
-          <a:effectRef idx="0">
-            <a:schemeClr val="accent1"/>
-          </a:effectRef>
-          <a:fontRef idx="minor">
-            <a:schemeClr val="tx1"/>
-          </a:fontRef>
-        </p:style>
-      </p:cxnSp>
     </p:spTree>
     <p:extLst>
       <p:ext uri="{BB962C8B-B14F-4D97-AF65-F5344CB8AC3E}">
